--- a/Project 3/Help social centers accurately identify patients  having ptsd.pptx
+++ b/Project 3/Help social centers accurately identify patients  having ptsd.pptx
@@ -6057,7 +6057,7 @@
         </p:nvSpPr>
         <p:spPr>
           <a:xfrm flipH="1">
-            <a:off x="7734300" y="5664729"/>
+            <a:off x="6861463" y="5655581"/>
             <a:ext cx="1249680" cy="307777"/>
           </a:xfrm>
           <a:prstGeom prst="rect">
@@ -6221,14 +6221,6 @@
 <file path=ppt/slides/slide13.xml><?xml version="1.0" encoding="utf-8"?>
 <p:sld xmlns:a="http://schemas.openxmlformats.org/drawingml/2006/main" xmlns:r="http://schemas.openxmlformats.org/officeDocument/2006/relationships" xmlns:p="http://schemas.openxmlformats.org/presentationml/2006/main">
   <p:cSld>
-    <p:bg>
-      <p:bgPr>
-        <a:solidFill>
-          <a:schemeClr val="bg1"/>
-        </a:solidFill>
-        <a:effectLst/>
-      </p:bgPr>
-    </p:bg>
     <p:spTree>
       <p:nvGrpSpPr>
         <p:cNvPr id="1" name=""/>
@@ -8923,8 +8915,8 @@
         </p:nvSpPr>
         <p:spPr>
           <a:xfrm>
-            <a:off x="7523018" y="1888177"/>
-            <a:ext cx="2821984" cy="237506"/>
+            <a:off x="1194178" y="1888177"/>
+            <a:ext cx="9150824" cy="237506"/>
           </a:xfrm>
           <a:prstGeom prst="rect">
             <a:avLst/>
@@ -8933,6 +8925,146 @@
           <a:ln>
             <a:solidFill>
               <a:srgbClr val="FF0000"/>
+            </a:solidFill>
+          </a:ln>
+        </p:spPr>
+        <p:style>
+          <a:lnRef idx="2">
+            <a:schemeClr val="accent1">
+              <a:shade val="50000"/>
+            </a:schemeClr>
+          </a:lnRef>
+          <a:fillRef idx="1">
+            <a:schemeClr val="accent1"/>
+          </a:fillRef>
+          <a:effectRef idx="0">
+            <a:schemeClr val="accent1"/>
+          </a:effectRef>
+          <a:fontRef idx="minor">
+            <a:schemeClr val="lt1"/>
+          </a:fontRef>
+        </p:style>
+        <p:txBody>
+          <a:bodyPr rtlCol="0" anchor="ctr"/>
+          <a:lstStyle/>
+          <a:p>
+            <a:pPr algn="ctr"/>
+            <a:endParaRPr lang="en-SG"/>
+          </a:p>
+        </p:txBody>
+      </p:sp>
+      <p:sp>
+        <p:nvSpPr>
+          <p:cNvPr id="3" name="TextBox 2">
+            <a:extLst>
+              <a:ext uri="{FF2B5EF4-FFF2-40B4-BE49-F238E27FC236}">
+                <a16:creationId xmlns:a16="http://schemas.microsoft.com/office/drawing/2014/main" id="{597AC0E0-50EE-4FDD-8E3A-71987413442E}"/>
+              </a:ext>
+            </a:extLst>
+          </p:cNvPr>
+          <p:cNvSpPr txBox="1"/>
+          <p:nvPr/>
+        </p:nvSpPr>
+        <p:spPr>
+          <a:xfrm>
+            <a:off x="6812789" y="1457911"/>
+            <a:ext cx="1899879" cy="253916"/>
+          </a:xfrm>
+          <a:prstGeom prst="rect">
+            <a:avLst/>
+          </a:prstGeom>
+          <a:noFill/>
+        </p:spPr>
+        <p:txBody>
+          <a:bodyPr wrap="none" rtlCol="0">
+            <a:spAutoFit/>
+          </a:bodyPr>
+          <a:lstStyle/>
+          <a:p>
+            <a:r>
+              <a:rPr lang="en-US" sz="1050" dirty="0"/>
+              <a:t>Accuracy improved by 5.8%</a:t>
+            </a:r>
+            <a:endParaRPr lang="en-SG" sz="1050" dirty="0"/>
+          </a:p>
+        </p:txBody>
+      </p:sp>
+      <p:sp>
+        <p:nvSpPr>
+          <p:cNvPr id="4" name="Oval 3">
+            <a:extLst>
+              <a:ext uri="{FF2B5EF4-FFF2-40B4-BE49-F238E27FC236}">
+                <a16:creationId xmlns:a16="http://schemas.microsoft.com/office/drawing/2014/main" id="{5E4320F3-A451-4D05-92A5-9880B35BECFE}"/>
+              </a:ext>
+            </a:extLst>
+          </p:cNvPr>
+          <p:cNvSpPr/>
+          <p:nvPr/>
+        </p:nvSpPr>
+        <p:spPr>
+          <a:xfrm>
+            <a:off x="7606145" y="1942981"/>
+            <a:ext cx="356260" cy="123325"/>
+          </a:xfrm>
+          <a:prstGeom prst="ellipse">
+            <a:avLst/>
+          </a:prstGeom>
+          <a:noFill/>
+          <a:ln>
+            <a:solidFill>
+              <a:srgbClr val="B6C9DD"/>
+            </a:solidFill>
+          </a:ln>
+        </p:spPr>
+        <p:style>
+          <a:lnRef idx="2">
+            <a:schemeClr val="accent1">
+              <a:shade val="50000"/>
+            </a:schemeClr>
+          </a:lnRef>
+          <a:fillRef idx="1">
+            <a:schemeClr val="accent1"/>
+          </a:fillRef>
+          <a:effectRef idx="0">
+            <a:schemeClr val="accent1"/>
+          </a:effectRef>
+          <a:fontRef idx="minor">
+            <a:schemeClr val="lt1"/>
+          </a:fontRef>
+        </p:style>
+        <p:txBody>
+          <a:bodyPr rtlCol="0" anchor="ctr"/>
+          <a:lstStyle/>
+          <a:p>
+            <a:pPr algn="ctr"/>
+            <a:endParaRPr lang="en-SG"/>
+          </a:p>
+        </p:txBody>
+      </p:sp>
+      <p:sp>
+        <p:nvSpPr>
+          <p:cNvPr id="9" name="Oval 8">
+            <a:extLst>
+              <a:ext uri="{FF2B5EF4-FFF2-40B4-BE49-F238E27FC236}">
+                <a16:creationId xmlns:a16="http://schemas.microsoft.com/office/drawing/2014/main" id="{C4C05174-55B0-420C-B21B-675C17CC7E02}"/>
+              </a:ext>
+            </a:extLst>
+          </p:cNvPr>
+          <p:cNvSpPr/>
+          <p:nvPr/>
+        </p:nvSpPr>
+        <p:spPr>
+          <a:xfrm>
+            <a:off x="7584598" y="3273701"/>
+            <a:ext cx="356260" cy="123325"/>
+          </a:xfrm>
+          <a:prstGeom prst="ellipse">
+            <a:avLst/>
+          </a:prstGeom>
+          <a:noFill/>
+          <a:ln>
+            <a:solidFill>
+              <a:srgbClr val="B6C9DD"/>
             </a:solidFill>
           </a:ln>
         </p:spPr>
@@ -9140,7 +9272,7 @@
             </a:pPr>
             <a:r>
               <a:rPr lang="en-US" sz="1600" dirty="0"/>
-              <a:t>Keeping in mind having high peaks of the number of post in June and Dec, you may consider running a campaign to beef up support for people and use these high peaks as a matrix in the following years to track the effectiveness of the campaigns. </a:t>
+              <a:t>Keeping in mind having high peaks of the number of post in July and Dec, you may consider running a campaign to beef up support for people and use these high peaks as a matrix in the following years to track the effectiveness of the campaigns. </a:t>
             </a:r>
           </a:p>
           <a:p>
@@ -16173,16 +16305,16 @@
 <file path=customXml/itemProps1.xml><?xml version="1.0" encoding="utf-8"?>
 <ds:datastoreItem xmlns:ds="http://schemas.openxmlformats.org/officeDocument/2006/customXml" ds:itemID="{946BCBFB-BBC7-42F1-95CD-058E172363A0}">
   <ds:schemaRefs>
+    <ds:schemaRef ds:uri="http://purl.org/dc/dcmitype/"/>
     <ds:schemaRef ds:uri="http://schemas.microsoft.com/office/2006/metadata/properties"/>
+    <ds:schemaRef ds:uri="http://schemas.microsoft.com/office/infopath/2007/PartnerControls"/>
+    <ds:schemaRef ds:uri="http://schemas.openxmlformats.org/package/2006/metadata/core-properties"/>
+    <ds:schemaRef ds:uri="71af3243-3dd4-4a8d-8c0d-dd76da1f02a5"/>
     <ds:schemaRef ds:uri="http://schemas.microsoft.com/office/2006/documentManagement/types"/>
-    <ds:schemaRef ds:uri="http://schemas.microsoft.com/office/infopath/2007/PartnerControls"/>
-    <ds:schemaRef ds:uri="71af3243-3dd4-4a8d-8c0d-dd76da1f02a5"/>
+    <ds:schemaRef ds:uri="http://purl.org/dc/elements/1.1/"/>
+    <ds:schemaRef ds:uri="http://purl.org/dc/terms/"/>
+    <ds:schemaRef ds:uri="16c05727-aa75-4e4a-9b5f-8a80a1165891"/>
     <ds:schemaRef ds:uri="http://www.w3.org/XML/1998/namespace"/>
-    <ds:schemaRef ds:uri="http://purl.org/dc/terms/"/>
-    <ds:schemaRef ds:uri="http://purl.org/dc/elements/1.1/"/>
-    <ds:schemaRef ds:uri="http://schemas.openxmlformats.org/package/2006/metadata/core-properties"/>
-    <ds:schemaRef ds:uri="16c05727-aa75-4e4a-9b5f-8a80a1165891"/>
-    <ds:schemaRef ds:uri="http://purl.org/dc/dcmitype/"/>
   </ds:schemaRefs>
 </ds:datastoreItem>
 </file>
